--- a/ppt 16-9/1013.永远膀臂.pptx
+++ b/ppt 16-9/1013.永远膀臂.pptx
@@ -5,7 +5,7 @@
     <p:sldMasterId id="2147483648" r:id="rId1"/>
   </p:sldMasterIdLst>
   <p:sldIdLst>
-    <p:sldId id="431" r:id="rId2"/>
+    <p:sldId id="433" r:id="rId2"/>
   </p:sldIdLst>
   <p:sldSz cx="12192000" cy="6858000"/>
   <p:notesSz cx="6858000" cy="9144000"/>
@@ -129,7 +129,7 @@
           <p:cNvPr id="2" name="标题 1">
             <a:extLst>
               <a:ext uri="{FF2B5EF4-FFF2-40B4-BE49-F238E27FC236}">
-                <a16:creationId xmlns:a16="http://schemas.microsoft.com/office/drawing/2014/main" id="{C5AA3E84-D659-37DC-5E7F-4D3E59049B8A}"/>
+                <a16:creationId xmlns:a16="http://schemas.microsoft.com/office/drawing/2014/main" id="{B4E9EA1A-B996-E13C-E68A-220C686C513A}"/>
               </a:ext>
             </a:extLst>
           </p:cNvPr>
@@ -166,7 +166,7 @@
           <p:cNvPr id="3" name="副标题 2">
             <a:extLst>
               <a:ext uri="{FF2B5EF4-FFF2-40B4-BE49-F238E27FC236}">
-                <a16:creationId xmlns:a16="http://schemas.microsoft.com/office/drawing/2014/main" id="{E21E3104-ED5B-5BB7-8CB8-0A144D2FCCFE}"/>
+                <a16:creationId xmlns:a16="http://schemas.microsoft.com/office/drawing/2014/main" id="{22B0C460-4501-E609-CCCF-37872C240076}"/>
               </a:ext>
             </a:extLst>
           </p:cNvPr>
@@ -236,7 +236,7 @@
           <p:cNvPr id="4" name="日期占位符 3">
             <a:extLst>
               <a:ext uri="{FF2B5EF4-FFF2-40B4-BE49-F238E27FC236}">
-                <a16:creationId xmlns:a16="http://schemas.microsoft.com/office/drawing/2014/main" id="{13CA02F5-A895-0628-A726-CFDDC753F2F9}"/>
+                <a16:creationId xmlns:a16="http://schemas.microsoft.com/office/drawing/2014/main" id="{E67E86DF-882E-52C1-AF38-70ED48E8CE9F}"/>
               </a:ext>
             </a:extLst>
           </p:cNvPr>
@@ -252,7 +252,7 @@
           <a:bodyPr/>
           <a:lstStyle/>
           <a:p>
-            <a:fld id="{8AA8A609-DBAF-4306-B04A-22759741DB06}" type="datetimeFigureOut">
+            <a:fld id="{A59D310B-2972-4EC3-9805-12775D5B0E43}" type="datetimeFigureOut">
               <a:rPr lang="zh-CN" altLang="en-US" smtClean="0"/>
               <a:t>2024/3/10</a:t>
             </a:fld>
@@ -265,7 +265,7 @@
           <p:cNvPr id="5" name="页脚占位符 4">
             <a:extLst>
               <a:ext uri="{FF2B5EF4-FFF2-40B4-BE49-F238E27FC236}">
-                <a16:creationId xmlns:a16="http://schemas.microsoft.com/office/drawing/2014/main" id="{A792F6E4-665F-990B-5A31-57E8F551706F}"/>
+                <a16:creationId xmlns:a16="http://schemas.microsoft.com/office/drawing/2014/main" id="{ACD1AF6C-15D6-4758-07A9-1C5C03F859FE}"/>
               </a:ext>
             </a:extLst>
           </p:cNvPr>
@@ -290,7 +290,7 @@
           <p:cNvPr id="6" name="灯片编号占位符 5">
             <a:extLst>
               <a:ext uri="{FF2B5EF4-FFF2-40B4-BE49-F238E27FC236}">
-                <a16:creationId xmlns:a16="http://schemas.microsoft.com/office/drawing/2014/main" id="{373F496E-5313-E0C5-3F16-F4BE1100D2B7}"/>
+                <a16:creationId xmlns:a16="http://schemas.microsoft.com/office/drawing/2014/main" id="{D0A027B5-159C-4591-C703-61E0180653F4}"/>
               </a:ext>
             </a:extLst>
           </p:cNvPr>
@@ -306,7 +306,7 @@
           <a:bodyPr/>
           <a:lstStyle/>
           <a:p>
-            <a:fld id="{BA861D5F-A8EB-4AF8-BB0F-928EE19A7224}" type="slidenum">
+            <a:fld id="{F77ECF46-AB1F-49C6-98D5-3C7892D53567}" type="slidenum">
               <a:rPr lang="zh-CN" altLang="en-US" smtClean="0"/>
               <a:t>‹#›</a:t>
             </a:fld>
@@ -317,7 +317,7 @@
     </p:spTree>
     <p:extLst>
       <p:ext uri="{BB962C8B-B14F-4D97-AF65-F5344CB8AC3E}">
-        <p14:creationId xmlns:p14="http://schemas.microsoft.com/office/powerpoint/2010/main" val="2358219598"/>
+        <p14:creationId xmlns:p14="http://schemas.microsoft.com/office/powerpoint/2010/main" val="780748087"/>
       </p:ext>
     </p:extLst>
   </p:cSld>
@@ -349,7 +349,7 @@
           <p:cNvPr id="2" name="标题 1">
             <a:extLst>
               <a:ext uri="{FF2B5EF4-FFF2-40B4-BE49-F238E27FC236}">
-                <a16:creationId xmlns:a16="http://schemas.microsoft.com/office/drawing/2014/main" id="{68418FAE-A119-FF45-EB41-9002C22177F3}"/>
+                <a16:creationId xmlns:a16="http://schemas.microsoft.com/office/drawing/2014/main" id="{3983BCDC-E4CF-0AE7-9573-D005A0E71F44}"/>
               </a:ext>
             </a:extLst>
           </p:cNvPr>
@@ -377,7 +377,7 @@
           <p:cNvPr id="3" name="竖排文字占位符 2">
             <a:extLst>
               <a:ext uri="{FF2B5EF4-FFF2-40B4-BE49-F238E27FC236}">
-                <a16:creationId xmlns:a16="http://schemas.microsoft.com/office/drawing/2014/main" id="{03DB22E3-4789-78B1-AFDA-4503C5F06B18}"/>
+                <a16:creationId xmlns:a16="http://schemas.microsoft.com/office/drawing/2014/main" id="{3BFEDE76-B4A5-807F-7569-25C9B06C7E32}"/>
               </a:ext>
             </a:extLst>
           </p:cNvPr>
@@ -434,7 +434,7 @@
           <p:cNvPr id="4" name="日期占位符 3">
             <a:extLst>
               <a:ext uri="{FF2B5EF4-FFF2-40B4-BE49-F238E27FC236}">
-                <a16:creationId xmlns:a16="http://schemas.microsoft.com/office/drawing/2014/main" id="{6ED780CF-29A0-1648-445C-78F5B76C4653}"/>
+                <a16:creationId xmlns:a16="http://schemas.microsoft.com/office/drawing/2014/main" id="{3E5DCB21-E0C1-06DC-CAB7-0C0E47235573}"/>
               </a:ext>
             </a:extLst>
           </p:cNvPr>
@@ -450,7 +450,7 @@
           <a:bodyPr/>
           <a:lstStyle/>
           <a:p>
-            <a:fld id="{8AA8A609-DBAF-4306-B04A-22759741DB06}" type="datetimeFigureOut">
+            <a:fld id="{A59D310B-2972-4EC3-9805-12775D5B0E43}" type="datetimeFigureOut">
               <a:rPr lang="zh-CN" altLang="en-US" smtClean="0"/>
               <a:t>2024/3/10</a:t>
             </a:fld>
@@ -463,7 +463,7 @@
           <p:cNvPr id="5" name="页脚占位符 4">
             <a:extLst>
               <a:ext uri="{FF2B5EF4-FFF2-40B4-BE49-F238E27FC236}">
-                <a16:creationId xmlns:a16="http://schemas.microsoft.com/office/drawing/2014/main" id="{572D9833-C148-2555-05E2-CC96DB8083EE}"/>
+                <a16:creationId xmlns:a16="http://schemas.microsoft.com/office/drawing/2014/main" id="{1E12C35C-DFE4-6643-E4ED-E8BAE442AEA8}"/>
               </a:ext>
             </a:extLst>
           </p:cNvPr>
@@ -488,7 +488,7 @@
           <p:cNvPr id="6" name="灯片编号占位符 5">
             <a:extLst>
               <a:ext uri="{FF2B5EF4-FFF2-40B4-BE49-F238E27FC236}">
-                <a16:creationId xmlns:a16="http://schemas.microsoft.com/office/drawing/2014/main" id="{5FC91946-A0D3-0AE9-1464-A66C0373FC7D}"/>
+                <a16:creationId xmlns:a16="http://schemas.microsoft.com/office/drawing/2014/main" id="{C46DC185-CC16-6C26-89DA-FE52D6CA6307}"/>
               </a:ext>
             </a:extLst>
           </p:cNvPr>
@@ -504,7 +504,7 @@
           <a:bodyPr/>
           <a:lstStyle/>
           <a:p>
-            <a:fld id="{BA861D5F-A8EB-4AF8-BB0F-928EE19A7224}" type="slidenum">
+            <a:fld id="{F77ECF46-AB1F-49C6-98D5-3C7892D53567}" type="slidenum">
               <a:rPr lang="zh-CN" altLang="en-US" smtClean="0"/>
               <a:t>‹#›</a:t>
             </a:fld>
@@ -515,7 +515,7 @@
     </p:spTree>
     <p:extLst>
       <p:ext uri="{BB962C8B-B14F-4D97-AF65-F5344CB8AC3E}">
-        <p14:creationId xmlns:p14="http://schemas.microsoft.com/office/powerpoint/2010/main" val="2169502208"/>
+        <p14:creationId xmlns:p14="http://schemas.microsoft.com/office/powerpoint/2010/main" val="3920152304"/>
       </p:ext>
     </p:extLst>
   </p:cSld>
@@ -547,7 +547,7 @@
           <p:cNvPr id="2" name="竖排标题 1">
             <a:extLst>
               <a:ext uri="{FF2B5EF4-FFF2-40B4-BE49-F238E27FC236}">
-                <a16:creationId xmlns:a16="http://schemas.microsoft.com/office/drawing/2014/main" id="{83390A93-9642-B621-D514-659014F29A83}"/>
+                <a16:creationId xmlns:a16="http://schemas.microsoft.com/office/drawing/2014/main" id="{FD23A719-F20B-5FD5-03E5-9B80696632EB}"/>
               </a:ext>
             </a:extLst>
           </p:cNvPr>
@@ -580,7 +580,7 @@
           <p:cNvPr id="3" name="竖排文字占位符 2">
             <a:extLst>
               <a:ext uri="{FF2B5EF4-FFF2-40B4-BE49-F238E27FC236}">
-                <a16:creationId xmlns:a16="http://schemas.microsoft.com/office/drawing/2014/main" id="{FF1723DA-177D-44F8-D244-7AA34E893899}"/>
+                <a16:creationId xmlns:a16="http://schemas.microsoft.com/office/drawing/2014/main" id="{53E4340B-1CCF-E176-5908-29EB8E627617}"/>
               </a:ext>
             </a:extLst>
           </p:cNvPr>
@@ -642,7 +642,7 @@
           <p:cNvPr id="4" name="日期占位符 3">
             <a:extLst>
               <a:ext uri="{FF2B5EF4-FFF2-40B4-BE49-F238E27FC236}">
-                <a16:creationId xmlns:a16="http://schemas.microsoft.com/office/drawing/2014/main" id="{E5272BEB-7E65-5244-56B9-D76A8A12416F}"/>
+                <a16:creationId xmlns:a16="http://schemas.microsoft.com/office/drawing/2014/main" id="{B002565E-6301-BB8F-D953-CC8DD627D8BD}"/>
               </a:ext>
             </a:extLst>
           </p:cNvPr>
@@ -658,7 +658,7 @@
           <a:bodyPr/>
           <a:lstStyle/>
           <a:p>
-            <a:fld id="{8AA8A609-DBAF-4306-B04A-22759741DB06}" type="datetimeFigureOut">
+            <a:fld id="{A59D310B-2972-4EC3-9805-12775D5B0E43}" type="datetimeFigureOut">
               <a:rPr lang="zh-CN" altLang="en-US" smtClean="0"/>
               <a:t>2024/3/10</a:t>
             </a:fld>
@@ -671,7 +671,7 @@
           <p:cNvPr id="5" name="页脚占位符 4">
             <a:extLst>
               <a:ext uri="{FF2B5EF4-FFF2-40B4-BE49-F238E27FC236}">
-                <a16:creationId xmlns:a16="http://schemas.microsoft.com/office/drawing/2014/main" id="{EA08E745-E7AC-E582-7D1F-492A3589D1CA}"/>
+                <a16:creationId xmlns:a16="http://schemas.microsoft.com/office/drawing/2014/main" id="{5CE3A25E-E12F-D649-47DA-6C1E6A59F35D}"/>
               </a:ext>
             </a:extLst>
           </p:cNvPr>
@@ -696,7 +696,7 @@
           <p:cNvPr id="6" name="灯片编号占位符 5">
             <a:extLst>
               <a:ext uri="{FF2B5EF4-FFF2-40B4-BE49-F238E27FC236}">
-                <a16:creationId xmlns:a16="http://schemas.microsoft.com/office/drawing/2014/main" id="{93F9D83F-85A0-6D33-E2C7-41252A01C3B3}"/>
+                <a16:creationId xmlns:a16="http://schemas.microsoft.com/office/drawing/2014/main" id="{2B1F9CDC-1948-19AD-1863-7949C52A3B6F}"/>
               </a:ext>
             </a:extLst>
           </p:cNvPr>
@@ -712,7 +712,7 @@
           <a:bodyPr/>
           <a:lstStyle/>
           <a:p>
-            <a:fld id="{BA861D5F-A8EB-4AF8-BB0F-928EE19A7224}" type="slidenum">
+            <a:fld id="{F77ECF46-AB1F-49C6-98D5-3C7892D53567}" type="slidenum">
               <a:rPr lang="zh-CN" altLang="en-US" smtClean="0"/>
               <a:t>‹#›</a:t>
             </a:fld>
@@ -723,7 +723,7 @@
     </p:spTree>
     <p:extLst>
       <p:ext uri="{BB962C8B-B14F-4D97-AF65-F5344CB8AC3E}">
-        <p14:creationId xmlns:p14="http://schemas.microsoft.com/office/powerpoint/2010/main" val="3510814604"/>
+        <p14:creationId xmlns:p14="http://schemas.microsoft.com/office/powerpoint/2010/main" val="3782579267"/>
       </p:ext>
     </p:extLst>
   </p:cSld>
@@ -755,7 +755,7 @@
           <p:cNvPr id="2" name="标题 1">
             <a:extLst>
               <a:ext uri="{FF2B5EF4-FFF2-40B4-BE49-F238E27FC236}">
-                <a16:creationId xmlns:a16="http://schemas.microsoft.com/office/drawing/2014/main" id="{DB343787-4ACB-9A0F-D669-DFCF04EDADBB}"/>
+                <a16:creationId xmlns:a16="http://schemas.microsoft.com/office/drawing/2014/main" id="{D5FA17D2-68C0-0182-6DC5-E750DC9F686C}"/>
               </a:ext>
             </a:extLst>
           </p:cNvPr>
@@ -783,7 +783,7 @@
           <p:cNvPr id="3" name="内容占位符 2">
             <a:extLst>
               <a:ext uri="{FF2B5EF4-FFF2-40B4-BE49-F238E27FC236}">
-                <a16:creationId xmlns:a16="http://schemas.microsoft.com/office/drawing/2014/main" id="{9B9F2D58-2433-6332-5C60-0C706C7DE985}"/>
+                <a16:creationId xmlns:a16="http://schemas.microsoft.com/office/drawing/2014/main" id="{986597AE-E351-61E6-D6D6-BA96303EB73B}"/>
               </a:ext>
             </a:extLst>
           </p:cNvPr>
@@ -840,7 +840,7 @@
           <p:cNvPr id="4" name="日期占位符 3">
             <a:extLst>
               <a:ext uri="{FF2B5EF4-FFF2-40B4-BE49-F238E27FC236}">
-                <a16:creationId xmlns:a16="http://schemas.microsoft.com/office/drawing/2014/main" id="{E040A229-E640-9942-1F03-1628B827F38F}"/>
+                <a16:creationId xmlns:a16="http://schemas.microsoft.com/office/drawing/2014/main" id="{E3AA74F8-14D3-D7C8-940C-F78B87675C5A}"/>
               </a:ext>
             </a:extLst>
           </p:cNvPr>
@@ -856,7 +856,7 @@
           <a:bodyPr/>
           <a:lstStyle/>
           <a:p>
-            <a:fld id="{8AA8A609-DBAF-4306-B04A-22759741DB06}" type="datetimeFigureOut">
+            <a:fld id="{A59D310B-2972-4EC3-9805-12775D5B0E43}" type="datetimeFigureOut">
               <a:rPr lang="zh-CN" altLang="en-US" smtClean="0"/>
               <a:t>2024/3/10</a:t>
             </a:fld>
@@ -869,7 +869,7 @@
           <p:cNvPr id="5" name="页脚占位符 4">
             <a:extLst>
               <a:ext uri="{FF2B5EF4-FFF2-40B4-BE49-F238E27FC236}">
-                <a16:creationId xmlns:a16="http://schemas.microsoft.com/office/drawing/2014/main" id="{BE8A5495-74C1-2E8C-E32C-5451EBD129B5}"/>
+                <a16:creationId xmlns:a16="http://schemas.microsoft.com/office/drawing/2014/main" id="{4AD17655-2D0B-123B-36F2-AE03683866A0}"/>
               </a:ext>
             </a:extLst>
           </p:cNvPr>
@@ -894,7 +894,7 @@
           <p:cNvPr id="6" name="灯片编号占位符 5">
             <a:extLst>
               <a:ext uri="{FF2B5EF4-FFF2-40B4-BE49-F238E27FC236}">
-                <a16:creationId xmlns:a16="http://schemas.microsoft.com/office/drawing/2014/main" id="{05C27750-4927-94D6-72D5-976A3200CF85}"/>
+                <a16:creationId xmlns:a16="http://schemas.microsoft.com/office/drawing/2014/main" id="{FD960335-C43C-494D-EF22-518FDD5C91BD}"/>
               </a:ext>
             </a:extLst>
           </p:cNvPr>
@@ -910,7 +910,7 @@
           <a:bodyPr/>
           <a:lstStyle/>
           <a:p>
-            <a:fld id="{BA861D5F-A8EB-4AF8-BB0F-928EE19A7224}" type="slidenum">
+            <a:fld id="{F77ECF46-AB1F-49C6-98D5-3C7892D53567}" type="slidenum">
               <a:rPr lang="zh-CN" altLang="en-US" smtClean="0"/>
               <a:t>‹#›</a:t>
             </a:fld>
@@ -921,7 +921,7 @@
     </p:spTree>
     <p:extLst>
       <p:ext uri="{BB962C8B-B14F-4D97-AF65-F5344CB8AC3E}">
-        <p14:creationId xmlns:p14="http://schemas.microsoft.com/office/powerpoint/2010/main" val="3590325428"/>
+        <p14:creationId xmlns:p14="http://schemas.microsoft.com/office/powerpoint/2010/main" val="1748862736"/>
       </p:ext>
     </p:extLst>
   </p:cSld>
@@ -953,7 +953,7 @@
           <p:cNvPr id="2" name="标题 1">
             <a:extLst>
               <a:ext uri="{FF2B5EF4-FFF2-40B4-BE49-F238E27FC236}">
-                <a16:creationId xmlns:a16="http://schemas.microsoft.com/office/drawing/2014/main" id="{B9B1CE4F-6C51-5BEB-9912-BD4281885D65}"/>
+                <a16:creationId xmlns:a16="http://schemas.microsoft.com/office/drawing/2014/main" id="{37CAC83D-04F6-03EB-E6F7-47AFB6708B28}"/>
               </a:ext>
             </a:extLst>
           </p:cNvPr>
@@ -990,7 +990,7 @@
           <p:cNvPr id="3" name="文本占位符 2">
             <a:extLst>
               <a:ext uri="{FF2B5EF4-FFF2-40B4-BE49-F238E27FC236}">
-                <a16:creationId xmlns:a16="http://schemas.microsoft.com/office/drawing/2014/main" id="{3919494C-BA7A-B842-0C83-602A2987A5E3}"/>
+                <a16:creationId xmlns:a16="http://schemas.microsoft.com/office/drawing/2014/main" id="{810196D8-6DDF-503D-64CA-E490FF0DC7C6}"/>
               </a:ext>
             </a:extLst>
           </p:cNvPr>
@@ -1115,7 +1115,7 @@
           <p:cNvPr id="4" name="日期占位符 3">
             <a:extLst>
               <a:ext uri="{FF2B5EF4-FFF2-40B4-BE49-F238E27FC236}">
-                <a16:creationId xmlns:a16="http://schemas.microsoft.com/office/drawing/2014/main" id="{DC9093D5-23AD-C6EB-A8BA-6BC5DC01B80A}"/>
+                <a16:creationId xmlns:a16="http://schemas.microsoft.com/office/drawing/2014/main" id="{2B03F1D0-B0B5-87A7-4709-EA142D6EB1B7}"/>
               </a:ext>
             </a:extLst>
           </p:cNvPr>
@@ -1131,7 +1131,7 @@
           <a:bodyPr/>
           <a:lstStyle/>
           <a:p>
-            <a:fld id="{8AA8A609-DBAF-4306-B04A-22759741DB06}" type="datetimeFigureOut">
+            <a:fld id="{A59D310B-2972-4EC3-9805-12775D5B0E43}" type="datetimeFigureOut">
               <a:rPr lang="zh-CN" altLang="en-US" smtClean="0"/>
               <a:t>2024/3/10</a:t>
             </a:fld>
@@ -1144,7 +1144,7 @@
           <p:cNvPr id="5" name="页脚占位符 4">
             <a:extLst>
               <a:ext uri="{FF2B5EF4-FFF2-40B4-BE49-F238E27FC236}">
-                <a16:creationId xmlns:a16="http://schemas.microsoft.com/office/drawing/2014/main" id="{9F3E5F72-0C7C-E312-1C91-E1F17E91A8B6}"/>
+                <a16:creationId xmlns:a16="http://schemas.microsoft.com/office/drawing/2014/main" id="{6EAA7EDB-73A6-0188-1E96-89DE709C4A0A}"/>
               </a:ext>
             </a:extLst>
           </p:cNvPr>
@@ -1169,7 +1169,7 @@
           <p:cNvPr id="6" name="灯片编号占位符 5">
             <a:extLst>
               <a:ext uri="{FF2B5EF4-FFF2-40B4-BE49-F238E27FC236}">
-                <a16:creationId xmlns:a16="http://schemas.microsoft.com/office/drawing/2014/main" id="{65ADAE2E-815F-008B-3A9E-C053D03C372F}"/>
+                <a16:creationId xmlns:a16="http://schemas.microsoft.com/office/drawing/2014/main" id="{55C3A218-F708-3695-7A9E-B80D0C6E4614}"/>
               </a:ext>
             </a:extLst>
           </p:cNvPr>
@@ -1185,7 +1185,7 @@
           <a:bodyPr/>
           <a:lstStyle/>
           <a:p>
-            <a:fld id="{BA861D5F-A8EB-4AF8-BB0F-928EE19A7224}" type="slidenum">
+            <a:fld id="{F77ECF46-AB1F-49C6-98D5-3C7892D53567}" type="slidenum">
               <a:rPr lang="zh-CN" altLang="en-US" smtClean="0"/>
               <a:t>‹#›</a:t>
             </a:fld>
@@ -1196,7 +1196,7 @@
     </p:spTree>
     <p:extLst>
       <p:ext uri="{BB962C8B-B14F-4D97-AF65-F5344CB8AC3E}">
-        <p14:creationId xmlns:p14="http://schemas.microsoft.com/office/powerpoint/2010/main" val="3197662458"/>
+        <p14:creationId xmlns:p14="http://schemas.microsoft.com/office/powerpoint/2010/main" val="1840549642"/>
       </p:ext>
     </p:extLst>
   </p:cSld>
@@ -1228,7 +1228,7 @@
           <p:cNvPr id="2" name="标题 1">
             <a:extLst>
               <a:ext uri="{FF2B5EF4-FFF2-40B4-BE49-F238E27FC236}">
-                <a16:creationId xmlns:a16="http://schemas.microsoft.com/office/drawing/2014/main" id="{3DF79913-CD82-ACF9-C5A7-C674DBDC92CE}"/>
+                <a16:creationId xmlns:a16="http://schemas.microsoft.com/office/drawing/2014/main" id="{548AAB0D-4905-5F99-59D2-79F73EAACAEA}"/>
               </a:ext>
             </a:extLst>
           </p:cNvPr>
@@ -1256,7 +1256,7 @@
           <p:cNvPr id="3" name="内容占位符 2">
             <a:extLst>
               <a:ext uri="{FF2B5EF4-FFF2-40B4-BE49-F238E27FC236}">
-                <a16:creationId xmlns:a16="http://schemas.microsoft.com/office/drawing/2014/main" id="{30C75475-8E49-F469-8111-3D408EB60997}"/>
+                <a16:creationId xmlns:a16="http://schemas.microsoft.com/office/drawing/2014/main" id="{FEBF2E4E-5AC4-ED70-CE04-2BB9386B0FD5}"/>
               </a:ext>
             </a:extLst>
           </p:cNvPr>
@@ -1318,7 +1318,7 @@
           <p:cNvPr id="4" name="内容占位符 3">
             <a:extLst>
               <a:ext uri="{FF2B5EF4-FFF2-40B4-BE49-F238E27FC236}">
-                <a16:creationId xmlns:a16="http://schemas.microsoft.com/office/drawing/2014/main" id="{C4F57C55-BD02-D73B-6B7A-3B366858E0B6}"/>
+                <a16:creationId xmlns:a16="http://schemas.microsoft.com/office/drawing/2014/main" id="{DB93CD24-D283-4A46-0E6B-F9D92A9014FC}"/>
               </a:ext>
             </a:extLst>
           </p:cNvPr>
@@ -1380,7 +1380,7 @@
           <p:cNvPr id="5" name="日期占位符 4">
             <a:extLst>
               <a:ext uri="{FF2B5EF4-FFF2-40B4-BE49-F238E27FC236}">
-                <a16:creationId xmlns:a16="http://schemas.microsoft.com/office/drawing/2014/main" id="{5B4A5CC6-5E21-7E92-DD48-F0D2BF6A1743}"/>
+                <a16:creationId xmlns:a16="http://schemas.microsoft.com/office/drawing/2014/main" id="{1BD78B0E-7B88-CF94-D879-CC65696513C3}"/>
               </a:ext>
             </a:extLst>
           </p:cNvPr>
@@ -1396,7 +1396,7 @@
           <a:bodyPr/>
           <a:lstStyle/>
           <a:p>
-            <a:fld id="{8AA8A609-DBAF-4306-B04A-22759741DB06}" type="datetimeFigureOut">
+            <a:fld id="{A59D310B-2972-4EC3-9805-12775D5B0E43}" type="datetimeFigureOut">
               <a:rPr lang="zh-CN" altLang="en-US" smtClean="0"/>
               <a:t>2024/3/10</a:t>
             </a:fld>
@@ -1409,7 +1409,7 @@
           <p:cNvPr id="6" name="页脚占位符 5">
             <a:extLst>
               <a:ext uri="{FF2B5EF4-FFF2-40B4-BE49-F238E27FC236}">
-                <a16:creationId xmlns:a16="http://schemas.microsoft.com/office/drawing/2014/main" id="{78263103-7C03-5E13-B360-F4CD6FC103C6}"/>
+                <a16:creationId xmlns:a16="http://schemas.microsoft.com/office/drawing/2014/main" id="{C3B3AE2F-9A26-2598-9071-3B4A5F58C855}"/>
               </a:ext>
             </a:extLst>
           </p:cNvPr>
@@ -1434,7 +1434,7 @@
           <p:cNvPr id="7" name="灯片编号占位符 6">
             <a:extLst>
               <a:ext uri="{FF2B5EF4-FFF2-40B4-BE49-F238E27FC236}">
-                <a16:creationId xmlns:a16="http://schemas.microsoft.com/office/drawing/2014/main" id="{D101A602-400E-9EF1-30BD-6C91EB13F2C3}"/>
+                <a16:creationId xmlns:a16="http://schemas.microsoft.com/office/drawing/2014/main" id="{3FDE438C-2EB9-8F34-173A-A8EBB3C663D4}"/>
               </a:ext>
             </a:extLst>
           </p:cNvPr>
@@ -1450,7 +1450,7 @@
           <a:bodyPr/>
           <a:lstStyle/>
           <a:p>
-            <a:fld id="{BA861D5F-A8EB-4AF8-BB0F-928EE19A7224}" type="slidenum">
+            <a:fld id="{F77ECF46-AB1F-49C6-98D5-3C7892D53567}" type="slidenum">
               <a:rPr lang="zh-CN" altLang="en-US" smtClean="0"/>
               <a:t>‹#›</a:t>
             </a:fld>
@@ -1461,7 +1461,7 @@
     </p:spTree>
     <p:extLst>
       <p:ext uri="{BB962C8B-B14F-4D97-AF65-F5344CB8AC3E}">
-        <p14:creationId xmlns:p14="http://schemas.microsoft.com/office/powerpoint/2010/main" val="4294342894"/>
+        <p14:creationId xmlns:p14="http://schemas.microsoft.com/office/powerpoint/2010/main" val="1383612619"/>
       </p:ext>
     </p:extLst>
   </p:cSld>
@@ -1493,7 +1493,7 @@
           <p:cNvPr id="2" name="标题 1">
             <a:extLst>
               <a:ext uri="{FF2B5EF4-FFF2-40B4-BE49-F238E27FC236}">
-                <a16:creationId xmlns:a16="http://schemas.microsoft.com/office/drawing/2014/main" id="{582338CE-6E9E-A7F6-F147-F68AE898A22A}"/>
+                <a16:creationId xmlns:a16="http://schemas.microsoft.com/office/drawing/2014/main" id="{6360E0F1-4961-B574-381C-95E7BE031E98}"/>
               </a:ext>
             </a:extLst>
           </p:cNvPr>
@@ -1526,7 +1526,7 @@
           <p:cNvPr id="3" name="文本占位符 2">
             <a:extLst>
               <a:ext uri="{FF2B5EF4-FFF2-40B4-BE49-F238E27FC236}">
-                <a16:creationId xmlns:a16="http://schemas.microsoft.com/office/drawing/2014/main" id="{FEEE57DE-D0B5-F511-6E69-20918F7FED61}"/>
+                <a16:creationId xmlns:a16="http://schemas.microsoft.com/office/drawing/2014/main" id="{D4E86F2B-C8D4-746B-D9C9-5C3BE8017C53}"/>
               </a:ext>
             </a:extLst>
           </p:cNvPr>
@@ -1597,7 +1597,7 @@
           <p:cNvPr id="4" name="内容占位符 3">
             <a:extLst>
               <a:ext uri="{FF2B5EF4-FFF2-40B4-BE49-F238E27FC236}">
-                <a16:creationId xmlns:a16="http://schemas.microsoft.com/office/drawing/2014/main" id="{E7BD2A4A-F474-9D45-02A0-218B1391C172}"/>
+                <a16:creationId xmlns:a16="http://schemas.microsoft.com/office/drawing/2014/main" id="{917F158A-EFD7-F025-9097-84012A2EA5DC}"/>
               </a:ext>
             </a:extLst>
           </p:cNvPr>
@@ -1659,7 +1659,7 @@
           <p:cNvPr id="5" name="文本占位符 4">
             <a:extLst>
               <a:ext uri="{FF2B5EF4-FFF2-40B4-BE49-F238E27FC236}">
-                <a16:creationId xmlns:a16="http://schemas.microsoft.com/office/drawing/2014/main" id="{A145F404-F170-72E7-683D-051DAB32A5FA}"/>
+                <a16:creationId xmlns:a16="http://schemas.microsoft.com/office/drawing/2014/main" id="{548CB59E-63AA-1A78-EF1B-C30B8C87B71F}"/>
               </a:ext>
             </a:extLst>
           </p:cNvPr>
@@ -1730,7 +1730,7 @@
           <p:cNvPr id="6" name="内容占位符 5">
             <a:extLst>
               <a:ext uri="{FF2B5EF4-FFF2-40B4-BE49-F238E27FC236}">
-                <a16:creationId xmlns:a16="http://schemas.microsoft.com/office/drawing/2014/main" id="{A5CCAB9D-E48E-307A-BC90-9F42F24144E5}"/>
+                <a16:creationId xmlns:a16="http://schemas.microsoft.com/office/drawing/2014/main" id="{46B0B719-C90A-3B07-0FF4-73F6376A82F4}"/>
               </a:ext>
             </a:extLst>
           </p:cNvPr>
@@ -1792,7 +1792,7 @@
           <p:cNvPr id="7" name="日期占位符 6">
             <a:extLst>
               <a:ext uri="{FF2B5EF4-FFF2-40B4-BE49-F238E27FC236}">
-                <a16:creationId xmlns:a16="http://schemas.microsoft.com/office/drawing/2014/main" id="{5B85D2DE-9298-C42C-0BDF-8D169F28152C}"/>
+                <a16:creationId xmlns:a16="http://schemas.microsoft.com/office/drawing/2014/main" id="{B542331D-9FF5-B918-33AC-7C84DEAC91A6}"/>
               </a:ext>
             </a:extLst>
           </p:cNvPr>
@@ -1808,7 +1808,7 @@
           <a:bodyPr/>
           <a:lstStyle/>
           <a:p>
-            <a:fld id="{8AA8A609-DBAF-4306-B04A-22759741DB06}" type="datetimeFigureOut">
+            <a:fld id="{A59D310B-2972-4EC3-9805-12775D5B0E43}" type="datetimeFigureOut">
               <a:rPr lang="zh-CN" altLang="en-US" smtClean="0"/>
               <a:t>2024/3/10</a:t>
             </a:fld>
@@ -1821,7 +1821,7 @@
           <p:cNvPr id="8" name="页脚占位符 7">
             <a:extLst>
               <a:ext uri="{FF2B5EF4-FFF2-40B4-BE49-F238E27FC236}">
-                <a16:creationId xmlns:a16="http://schemas.microsoft.com/office/drawing/2014/main" id="{34636F4A-80BC-7B7E-101F-F6A655C809C2}"/>
+                <a16:creationId xmlns:a16="http://schemas.microsoft.com/office/drawing/2014/main" id="{4D32E5DF-C43C-5EEF-5C0B-C324E8981B23}"/>
               </a:ext>
             </a:extLst>
           </p:cNvPr>
@@ -1846,7 +1846,7 @@
           <p:cNvPr id="9" name="灯片编号占位符 8">
             <a:extLst>
               <a:ext uri="{FF2B5EF4-FFF2-40B4-BE49-F238E27FC236}">
-                <a16:creationId xmlns:a16="http://schemas.microsoft.com/office/drawing/2014/main" id="{A0EF16B5-4DC9-E62B-F6B8-F4E062C65ECF}"/>
+                <a16:creationId xmlns:a16="http://schemas.microsoft.com/office/drawing/2014/main" id="{E33CF282-B499-3E95-C401-CF4C4BE99ACC}"/>
               </a:ext>
             </a:extLst>
           </p:cNvPr>
@@ -1862,7 +1862,7 @@
           <a:bodyPr/>
           <a:lstStyle/>
           <a:p>
-            <a:fld id="{BA861D5F-A8EB-4AF8-BB0F-928EE19A7224}" type="slidenum">
+            <a:fld id="{F77ECF46-AB1F-49C6-98D5-3C7892D53567}" type="slidenum">
               <a:rPr lang="zh-CN" altLang="en-US" smtClean="0"/>
               <a:t>‹#›</a:t>
             </a:fld>
@@ -1873,7 +1873,7 @@
     </p:spTree>
     <p:extLst>
       <p:ext uri="{BB962C8B-B14F-4D97-AF65-F5344CB8AC3E}">
-        <p14:creationId xmlns:p14="http://schemas.microsoft.com/office/powerpoint/2010/main" val="799487886"/>
+        <p14:creationId xmlns:p14="http://schemas.microsoft.com/office/powerpoint/2010/main" val="2981455306"/>
       </p:ext>
     </p:extLst>
   </p:cSld>
@@ -1905,7 +1905,7 @@
           <p:cNvPr id="2" name="标题 1">
             <a:extLst>
               <a:ext uri="{FF2B5EF4-FFF2-40B4-BE49-F238E27FC236}">
-                <a16:creationId xmlns:a16="http://schemas.microsoft.com/office/drawing/2014/main" id="{AAC32EBE-4D4A-E7E4-D77A-6698DD78D57B}"/>
+                <a16:creationId xmlns:a16="http://schemas.microsoft.com/office/drawing/2014/main" id="{46ED567C-3AD9-DAFB-0866-398A6EDD9A8D}"/>
               </a:ext>
             </a:extLst>
           </p:cNvPr>
@@ -1933,7 +1933,7 @@
           <p:cNvPr id="3" name="日期占位符 2">
             <a:extLst>
               <a:ext uri="{FF2B5EF4-FFF2-40B4-BE49-F238E27FC236}">
-                <a16:creationId xmlns:a16="http://schemas.microsoft.com/office/drawing/2014/main" id="{7EDC2B3E-904F-F5D0-FBBF-92A6C4403482}"/>
+                <a16:creationId xmlns:a16="http://schemas.microsoft.com/office/drawing/2014/main" id="{78247A80-A140-E429-C18D-AD6305CCE5FC}"/>
               </a:ext>
             </a:extLst>
           </p:cNvPr>
@@ -1949,7 +1949,7 @@
           <a:bodyPr/>
           <a:lstStyle/>
           <a:p>
-            <a:fld id="{8AA8A609-DBAF-4306-B04A-22759741DB06}" type="datetimeFigureOut">
+            <a:fld id="{A59D310B-2972-4EC3-9805-12775D5B0E43}" type="datetimeFigureOut">
               <a:rPr lang="zh-CN" altLang="en-US" smtClean="0"/>
               <a:t>2024/3/10</a:t>
             </a:fld>
@@ -1962,7 +1962,7 @@
           <p:cNvPr id="4" name="页脚占位符 3">
             <a:extLst>
               <a:ext uri="{FF2B5EF4-FFF2-40B4-BE49-F238E27FC236}">
-                <a16:creationId xmlns:a16="http://schemas.microsoft.com/office/drawing/2014/main" id="{5FF70DF0-62E7-7930-D2BA-26D818572549}"/>
+                <a16:creationId xmlns:a16="http://schemas.microsoft.com/office/drawing/2014/main" id="{036CF94B-B363-47DC-0190-5575AD70BA28}"/>
               </a:ext>
             </a:extLst>
           </p:cNvPr>
@@ -1987,7 +1987,7 @@
           <p:cNvPr id="5" name="灯片编号占位符 4">
             <a:extLst>
               <a:ext uri="{FF2B5EF4-FFF2-40B4-BE49-F238E27FC236}">
-                <a16:creationId xmlns:a16="http://schemas.microsoft.com/office/drawing/2014/main" id="{F3EC6F46-E108-B837-C3B9-B01B72F2D7D3}"/>
+                <a16:creationId xmlns:a16="http://schemas.microsoft.com/office/drawing/2014/main" id="{DABE2FB3-1A43-1311-0BD2-B8B2C303E962}"/>
               </a:ext>
             </a:extLst>
           </p:cNvPr>
@@ -2003,7 +2003,7 @@
           <a:bodyPr/>
           <a:lstStyle/>
           <a:p>
-            <a:fld id="{BA861D5F-A8EB-4AF8-BB0F-928EE19A7224}" type="slidenum">
+            <a:fld id="{F77ECF46-AB1F-49C6-98D5-3C7892D53567}" type="slidenum">
               <a:rPr lang="zh-CN" altLang="en-US" smtClean="0"/>
               <a:t>‹#›</a:t>
             </a:fld>
@@ -2014,7 +2014,7 @@
     </p:spTree>
     <p:extLst>
       <p:ext uri="{BB962C8B-B14F-4D97-AF65-F5344CB8AC3E}">
-        <p14:creationId xmlns:p14="http://schemas.microsoft.com/office/powerpoint/2010/main" val="163987057"/>
+        <p14:creationId xmlns:p14="http://schemas.microsoft.com/office/powerpoint/2010/main" val="1084870979"/>
       </p:ext>
     </p:extLst>
   </p:cSld>
@@ -2046,7 +2046,7 @@
           <p:cNvPr id="2" name="日期占位符 1">
             <a:extLst>
               <a:ext uri="{FF2B5EF4-FFF2-40B4-BE49-F238E27FC236}">
-                <a16:creationId xmlns:a16="http://schemas.microsoft.com/office/drawing/2014/main" id="{E8E8F6B6-D976-BEAD-B552-CF8482D8EBBB}"/>
+                <a16:creationId xmlns:a16="http://schemas.microsoft.com/office/drawing/2014/main" id="{59CE2123-5F9F-B307-466C-D8906E6B8C80}"/>
               </a:ext>
             </a:extLst>
           </p:cNvPr>
@@ -2062,7 +2062,7 @@
           <a:bodyPr/>
           <a:lstStyle/>
           <a:p>
-            <a:fld id="{8AA8A609-DBAF-4306-B04A-22759741DB06}" type="datetimeFigureOut">
+            <a:fld id="{A59D310B-2972-4EC3-9805-12775D5B0E43}" type="datetimeFigureOut">
               <a:rPr lang="zh-CN" altLang="en-US" smtClean="0"/>
               <a:t>2024/3/10</a:t>
             </a:fld>
@@ -2075,7 +2075,7 @@
           <p:cNvPr id="3" name="页脚占位符 2">
             <a:extLst>
               <a:ext uri="{FF2B5EF4-FFF2-40B4-BE49-F238E27FC236}">
-                <a16:creationId xmlns:a16="http://schemas.microsoft.com/office/drawing/2014/main" id="{F0E6264C-9307-BAD0-8892-5C102EF29656}"/>
+                <a16:creationId xmlns:a16="http://schemas.microsoft.com/office/drawing/2014/main" id="{CF7A9F8D-57A3-C475-D889-BB560658A433}"/>
               </a:ext>
             </a:extLst>
           </p:cNvPr>
@@ -2100,7 +2100,7 @@
           <p:cNvPr id="4" name="灯片编号占位符 3">
             <a:extLst>
               <a:ext uri="{FF2B5EF4-FFF2-40B4-BE49-F238E27FC236}">
-                <a16:creationId xmlns:a16="http://schemas.microsoft.com/office/drawing/2014/main" id="{39C47E68-F554-E6DD-F9D2-B01EC591340C}"/>
+                <a16:creationId xmlns:a16="http://schemas.microsoft.com/office/drawing/2014/main" id="{3A4D6D3D-8CA9-54DB-6211-B3F333DACB63}"/>
               </a:ext>
             </a:extLst>
           </p:cNvPr>
@@ -2116,7 +2116,7 @@
           <a:bodyPr/>
           <a:lstStyle/>
           <a:p>
-            <a:fld id="{BA861D5F-A8EB-4AF8-BB0F-928EE19A7224}" type="slidenum">
+            <a:fld id="{F77ECF46-AB1F-49C6-98D5-3C7892D53567}" type="slidenum">
               <a:rPr lang="zh-CN" altLang="en-US" smtClean="0"/>
               <a:t>‹#›</a:t>
             </a:fld>
@@ -2127,7 +2127,7 @@
     </p:spTree>
     <p:extLst>
       <p:ext uri="{BB962C8B-B14F-4D97-AF65-F5344CB8AC3E}">
-        <p14:creationId xmlns:p14="http://schemas.microsoft.com/office/powerpoint/2010/main" val="1360939911"/>
+        <p14:creationId xmlns:p14="http://schemas.microsoft.com/office/powerpoint/2010/main" val="3584867994"/>
       </p:ext>
     </p:extLst>
   </p:cSld>
@@ -2159,7 +2159,7 @@
           <p:cNvPr id="2" name="标题 1">
             <a:extLst>
               <a:ext uri="{FF2B5EF4-FFF2-40B4-BE49-F238E27FC236}">
-                <a16:creationId xmlns:a16="http://schemas.microsoft.com/office/drawing/2014/main" id="{473B6255-2E85-1D89-98C7-31261E3A72B6}"/>
+                <a16:creationId xmlns:a16="http://schemas.microsoft.com/office/drawing/2014/main" id="{1F055CCB-3D39-9E24-4A69-9C112304ABBF}"/>
               </a:ext>
             </a:extLst>
           </p:cNvPr>
@@ -2196,7 +2196,7 @@
           <p:cNvPr id="3" name="内容占位符 2">
             <a:extLst>
               <a:ext uri="{FF2B5EF4-FFF2-40B4-BE49-F238E27FC236}">
-                <a16:creationId xmlns:a16="http://schemas.microsoft.com/office/drawing/2014/main" id="{F6F02566-277E-DD02-D051-7FEB1BECB1A7}"/>
+                <a16:creationId xmlns:a16="http://schemas.microsoft.com/office/drawing/2014/main" id="{068224B8-1593-2616-716A-5F41ABFADFCF}"/>
               </a:ext>
             </a:extLst>
           </p:cNvPr>
@@ -2286,7 +2286,7 @@
           <p:cNvPr id="4" name="文本占位符 3">
             <a:extLst>
               <a:ext uri="{FF2B5EF4-FFF2-40B4-BE49-F238E27FC236}">
-                <a16:creationId xmlns:a16="http://schemas.microsoft.com/office/drawing/2014/main" id="{8004458D-391D-FF14-F854-978B129519DF}"/>
+                <a16:creationId xmlns:a16="http://schemas.microsoft.com/office/drawing/2014/main" id="{DC2F1571-315A-A082-3D28-2CC8314AF5D7}"/>
               </a:ext>
             </a:extLst>
           </p:cNvPr>
@@ -2357,7 +2357,7 @@
           <p:cNvPr id="5" name="日期占位符 4">
             <a:extLst>
               <a:ext uri="{FF2B5EF4-FFF2-40B4-BE49-F238E27FC236}">
-                <a16:creationId xmlns:a16="http://schemas.microsoft.com/office/drawing/2014/main" id="{CE398B44-C872-B207-1B3E-4F0569401B88}"/>
+                <a16:creationId xmlns:a16="http://schemas.microsoft.com/office/drawing/2014/main" id="{2F839967-D47F-3B8F-5E97-412DC6A52079}"/>
               </a:ext>
             </a:extLst>
           </p:cNvPr>
@@ -2373,7 +2373,7 @@
           <a:bodyPr/>
           <a:lstStyle/>
           <a:p>
-            <a:fld id="{8AA8A609-DBAF-4306-B04A-22759741DB06}" type="datetimeFigureOut">
+            <a:fld id="{A59D310B-2972-4EC3-9805-12775D5B0E43}" type="datetimeFigureOut">
               <a:rPr lang="zh-CN" altLang="en-US" smtClean="0"/>
               <a:t>2024/3/10</a:t>
             </a:fld>
@@ -2386,7 +2386,7 @@
           <p:cNvPr id="6" name="页脚占位符 5">
             <a:extLst>
               <a:ext uri="{FF2B5EF4-FFF2-40B4-BE49-F238E27FC236}">
-                <a16:creationId xmlns:a16="http://schemas.microsoft.com/office/drawing/2014/main" id="{1C337644-106E-234B-5190-21DFD6EBA17D}"/>
+                <a16:creationId xmlns:a16="http://schemas.microsoft.com/office/drawing/2014/main" id="{FAB86743-4A21-846E-4225-0EF9DBF660EB}"/>
               </a:ext>
             </a:extLst>
           </p:cNvPr>
@@ -2411,7 +2411,7 @@
           <p:cNvPr id="7" name="灯片编号占位符 6">
             <a:extLst>
               <a:ext uri="{FF2B5EF4-FFF2-40B4-BE49-F238E27FC236}">
-                <a16:creationId xmlns:a16="http://schemas.microsoft.com/office/drawing/2014/main" id="{2288AFDB-46F6-29F5-A2D8-BFB1AE2F9090}"/>
+                <a16:creationId xmlns:a16="http://schemas.microsoft.com/office/drawing/2014/main" id="{E685B3F9-619B-2D94-AE91-80E684C8BFB7}"/>
               </a:ext>
             </a:extLst>
           </p:cNvPr>
@@ -2427,7 +2427,7 @@
           <a:bodyPr/>
           <a:lstStyle/>
           <a:p>
-            <a:fld id="{BA861D5F-A8EB-4AF8-BB0F-928EE19A7224}" type="slidenum">
+            <a:fld id="{F77ECF46-AB1F-49C6-98D5-3C7892D53567}" type="slidenum">
               <a:rPr lang="zh-CN" altLang="en-US" smtClean="0"/>
               <a:t>‹#›</a:t>
             </a:fld>
@@ -2438,7 +2438,7 @@
     </p:spTree>
     <p:extLst>
       <p:ext uri="{BB962C8B-B14F-4D97-AF65-F5344CB8AC3E}">
-        <p14:creationId xmlns:p14="http://schemas.microsoft.com/office/powerpoint/2010/main" val="1687131558"/>
+        <p14:creationId xmlns:p14="http://schemas.microsoft.com/office/powerpoint/2010/main" val="4193440823"/>
       </p:ext>
     </p:extLst>
   </p:cSld>
@@ -2470,7 +2470,7 @@
           <p:cNvPr id="2" name="标题 1">
             <a:extLst>
               <a:ext uri="{FF2B5EF4-FFF2-40B4-BE49-F238E27FC236}">
-                <a16:creationId xmlns:a16="http://schemas.microsoft.com/office/drawing/2014/main" id="{D6F72B67-F50D-C191-B0B9-E978E5ADB6E5}"/>
+                <a16:creationId xmlns:a16="http://schemas.microsoft.com/office/drawing/2014/main" id="{324566FC-6846-2661-8371-1760C130C3A9}"/>
               </a:ext>
             </a:extLst>
           </p:cNvPr>
@@ -2507,7 +2507,7 @@
           <p:cNvPr id="3" name="图片占位符 2">
             <a:extLst>
               <a:ext uri="{FF2B5EF4-FFF2-40B4-BE49-F238E27FC236}">
-                <a16:creationId xmlns:a16="http://schemas.microsoft.com/office/drawing/2014/main" id="{BEA2DE1E-F690-205D-C094-9F56867BEB33}"/>
+                <a16:creationId xmlns:a16="http://schemas.microsoft.com/office/drawing/2014/main" id="{6BD72ACF-7351-EE3A-01DB-9D2F0F73DFF8}"/>
               </a:ext>
             </a:extLst>
           </p:cNvPr>
@@ -2574,7 +2574,7 @@
           <p:cNvPr id="4" name="文本占位符 3">
             <a:extLst>
               <a:ext uri="{FF2B5EF4-FFF2-40B4-BE49-F238E27FC236}">
-                <a16:creationId xmlns:a16="http://schemas.microsoft.com/office/drawing/2014/main" id="{D6BECD13-E8F1-9447-B7DB-F9CA9C4970CA}"/>
+                <a16:creationId xmlns:a16="http://schemas.microsoft.com/office/drawing/2014/main" id="{3B6E5E2F-4F70-033B-3278-E7E1C9CE0B05}"/>
               </a:ext>
             </a:extLst>
           </p:cNvPr>
@@ -2645,7 +2645,7 @@
           <p:cNvPr id="5" name="日期占位符 4">
             <a:extLst>
               <a:ext uri="{FF2B5EF4-FFF2-40B4-BE49-F238E27FC236}">
-                <a16:creationId xmlns:a16="http://schemas.microsoft.com/office/drawing/2014/main" id="{00C70E4C-7720-CC8E-7EA5-3BEB0A8D5D58}"/>
+                <a16:creationId xmlns:a16="http://schemas.microsoft.com/office/drawing/2014/main" id="{5501148A-D50C-7DC0-EFC7-FE084B10A130}"/>
               </a:ext>
             </a:extLst>
           </p:cNvPr>
@@ -2661,7 +2661,7 @@
           <a:bodyPr/>
           <a:lstStyle/>
           <a:p>
-            <a:fld id="{8AA8A609-DBAF-4306-B04A-22759741DB06}" type="datetimeFigureOut">
+            <a:fld id="{A59D310B-2972-4EC3-9805-12775D5B0E43}" type="datetimeFigureOut">
               <a:rPr lang="zh-CN" altLang="en-US" smtClean="0"/>
               <a:t>2024/3/10</a:t>
             </a:fld>
@@ -2674,7 +2674,7 @@
           <p:cNvPr id="6" name="页脚占位符 5">
             <a:extLst>
               <a:ext uri="{FF2B5EF4-FFF2-40B4-BE49-F238E27FC236}">
-                <a16:creationId xmlns:a16="http://schemas.microsoft.com/office/drawing/2014/main" id="{AA44988B-81EB-8722-0C45-39916604DBE4}"/>
+                <a16:creationId xmlns:a16="http://schemas.microsoft.com/office/drawing/2014/main" id="{24DDF5D9-01F7-C8CA-39C6-523DA05EF9F1}"/>
               </a:ext>
             </a:extLst>
           </p:cNvPr>
@@ -2699,7 +2699,7 @@
           <p:cNvPr id="7" name="灯片编号占位符 6">
             <a:extLst>
               <a:ext uri="{FF2B5EF4-FFF2-40B4-BE49-F238E27FC236}">
-                <a16:creationId xmlns:a16="http://schemas.microsoft.com/office/drawing/2014/main" id="{DA96DA78-E44E-62EF-DB2F-A4A511CCFE28}"/>
+                <a16:creationId xmlns:a16="http://schemas.microsoft.com/office/drawing/2014/main" id="{D71BA64F-0AD0-52FB-501C-AA17C9890922}"/>
               </a:ext>
             </a:extLst>
           </p:cNvPr>
@@ -2715,7 +2715,7 @@
           <a:bodyPr/>
           <a:lstStyle/>
           <a:p>
-            <a:fld id="{BA861D5F-A8EB-4AF8-BB0F-928EE19A7224}" type="slidenum">
+            <a:fld id="{F77ECF46-AB1F-49C6-98D5-3C7892D53567}" type="slidenum">
               <a:rPr lang="zh-CN" altLang="en-US" smtClean="0"/>
               <a:t>‹#›</a:t>
             </a:fld>
@@ -2726,7 +2726,7 @@
     </p:spTree>
     <p:extLst>
       <p:ext uri="{BB962C8B-B14F-4D97-AF65-F5344CB8AC3E}">
-        <p14:creationId xmlns:p14="http://schemas.microsoft.com/office/powerpoint/2010/main" val="2288812637"/>
+        <p14:creationId xmlns:p14="http://schemas.microsoft.com/office/powerpoint/2010/main" val="3549262415"/>
       </p:ext>
     </p:extLst>
   </p:cSld>
@@ -2763,7 +2763,7 @@
           <p:cNvPr id="2" name="标题占位符 1">
             <a:extLst>
               <a:ext uri="{FF2B5EF4-FFF2-40B4-BE49-F238E27FC236}">
-                <a16:creationId xmlns:a16="http://schemas.microsoft.com/office/drawing/2014/main" id="{5CA7533E-CB6B-10E7-CC53-686312B65EDA}"/>
+                <a16:creationId xmlns:a16="http://schemas.microsoft.com/office/drawing/2014/main" id="{65F600D7-C3F8-5D0C-158A-2E60B22ED270}"/>
               </a:ext>
             </a:extLst>
           </p:cNvPr>
@@ -2801,7 +2801,7 @@
           <p:cNvPr id="3" name="文本占位符 2">
             <a:extLst>
               <a:ext uri="{FF2B5EF4-FFF2-40B4-BE49-F238E27FC236}">
-                <a16:creationId xmlns:a16="http://schemas.microsoft.com/office/drawing/2014/main" id="{4EC80FD4-5767-9444-53C1-69E0316B313D}"/>
+                <a16:creationId xmlns:a16="http://schemas.microsoft.com/office/drawing/2014/main" id="{76D49D26-28F7-CF78-6E87-D1B3C291E6E7}"/>
               </a:ext>
             </a:extLst>
           </p:cNvPr>
@@ -2868,7 +2868,7 @@
           <p:cNvPr id="4" name="日期占位符 3">
             <a:extLst>
               <a:ext uri="{FF2B5EF4-FFF2-40B4-BE49-F238E27FC236}">
-                <a16:creationId xmlns:a16="http://schemas.microsoft.com/office/drawing/2014/main" id="{547E179B-E089-9BFB-C2CC-C91ABADB5971}"/>
+                <a16:creationId xmlns:a16="http://schemas.microsoft.com/office/drawing/2014/main" id="{1C19EF09-0B84-2AEF-AF8E-CE429FC6444C}"/>
               </a:ext>
             </a:extLst>
           </p:cNvPr>
@@ -2902,7 +2902,7 @@
             </a:lvl1pPr>
           </a:lstStyle>
           <a:p>
-            <a:fld id="{8AA8A609-DBAF-4306-B04A-22759741DB06}" type="datetimeFigureOut">
+            <a:fld id="{A59D310B-2972-4EC3-9805-12775D5B0E43}" type="datetimeFigureOut">
               <a:rPr lang="zh-CN" altLang="en-US" smtClean="0"/>
               <a:t>2024/3/10</a:t>
             </a:fld>
@@ -2915,7 +2915,7 @@
           <p:cNvPr id="5" name="页脚占位符 4">
             <a:extLst>
               <a:ext uri="{FF2B5EF4-FFF2-40B4-BE49-F238E27FC236}">
-                <a16:creationId xmlns:a16="http://schemas.microsoft.com/office/drawing/2014/main" id="{57EE047D-ED63-E86F-1BE3-BADBBE3E55CA}"/>
+                <a16:creationId xmlns:a16="http://schemas.microsoft.com/office/drawing/2014/main" id="{DFE3F9AC-FBF2-5F37-F5C2-2F7611460977}"/>
               </a:ext>
             </a:extLst>
           </p:cNvPr>
@@ -2958,7 +2958,7 @@
           <p:cNvPr id="6" name="灯片编号占位符 5">
             <a:extLst>
               <a:ext uri="{FF2B5EF4-FFF2-40B4-BE49-F238E27FC236}">
-                <a16:creationId xmlns:a16="http://schemas.microsoft.com/office/drawing/2014/main" id="{9435E78B-4905-DBB4-5297-1D2C44DCE65B}"/>
+                <a16:creationId xmlns:a16="http://schemas.microsoft.com/office/drawing/2014/main" id="{8D571469-BB8A-A7DB-85BD-4B79C3B8DB18}"/>
               </a:ext>
             </a:extLst>
           </p:cNvPr>
@@ -2992,7 +2992,7 @@
             </a:lvl1pPr>
           </a:lstStyle>
           <a:p>
-            <a:fld id="{BA861D5F-A8EB-4AF8-BB0F-928EE19A7224}" type="slidenum">
+            <a:fld id="{F77ECF46-AB1F-49C6-98D5-3C7892D53567}" type="slidenum">
               <a:rPr lang="zh-CN" altLang="en-US" smtClean="0"/>
               <a:t>‹#›</a:t>
             </a:fld>
@@ -3003,7 +3003,7 @@
     </p:spTree>
     <p:extLst>
       <p:ext uri="{BB962C8B-B14F-4D97-AF65-F5344CB8AC3E}">
-        <p14:creationId xmlns:p14="http://schemas.microsoft.com/office/powerpoint/2010/main" val="3411004405"/>
+        <p14:creationId xmlns:p14="http://schemas.microsoft.com/office/powerpoint/2010/main" val="1253771717"/>
       </p:ext>
     </p:extLst>
   </p:cSld>
@@ -3323,7 +3323,7 @@
       </p:grpSpPr>
       <p:pic>
         <p:nvPicPr>
-          <p:cNvPr id="1037314" name="Picture 2" descr="1012"/>
+          <p:cNvPr id="1038338" name="Picture 2" descr="1013"/>
           <p:cNvPicPr>
             <a:picLocks noChangeAspect="1" noChangeArrowheads="1"/>
           </p:cNvPicPr>
@@ -3344,8 +3344,8 @@
         </p:blipFill>
         <p:spPr bwMode="auto">
           <a:xfrm>
-            <a:off x="1524000" y="1"/>
-            <a:ext cx="9144000" cy="6238875"/>
+            <a:off x="1524000" y="14288"/>
+            <a:ext cx="9124950" cy="6843712"/>
           </a:xfrm>
           <a:prstGeom prst="rect">
             <a:avLst/>
@@ -3375,158 +3375,11 @@
           </a:extLst>
         </p:spPr>
       </p:pic>
-      <p:pic>
-        <p:nvPicPr>
-          <p:cNvPr id="1038339" name="Picture 3" descr="1012-2"/>
-          <p:cNvPicPr>
-            <a:picLocks noChangeAspect="1" noChangeArrowheads="1"/>
-          </p:cNvPicPr>
-          <p:nvPr/>
-        </p:nvPicPr>
-        <p:blipFill>
-          <a:blip r:embed="rId3">
-            <a:extLst>
-              <a:ext uri="{28A0092B-C50C-407E-A947-70E740481C1C}">
-                <a14:useLocalDpi xmlns:a14="http://schemas.microsoft.com/office/drawing/2010/main" val="0"/>
-              </a:ext>
-            </a:extLst>
-          </a:blip>
-          <a:srcRect/>
-          <a:stretch>
-            <a:fillRect/>
-          </a:stretch>
-        </p:blipFill>
-        <p:spPr bwMode="auto">
-          <a:xfrm>
-            <a:off x="1524001" y="-14288"/>
-            <a:ext cx="9109075" cy="6818313"/>
-          </a:xfrm>
-          <a:prstGeom prst="rect">
-            <a:avLst/>
-          </a:prstGeom>
-          <a:noFill/>
-          <a:ln>
-            <a:noFill/>
-          </a:ln>
-          <a:effectLst/>
-          <a:extLst>
-            <a:ext uri="{909E8E84-426E-40DD-AFC4-6F175D3DCCD1}">
-              <a14:hiddenFill xmlns:a14="http://schemas.microsoft.com/office/drawing/2010/main">
-                <a:solidFill>
-                  <a:srgbClr val="FFFFFF"/>
-                </a:solidFill>
-              </a14:hiddenFill>
-            </a:ext>
-            <a:ext uri="{91240B29-F687-4F45-9708-019B960494DF}">
-              <a14:hiddenLine xmlns:a14="http://schemas.microsoft.com/office/drawing/2010/main" w="9525">
-                <a:solidFill>
-                  <a:srgbClr val="000000"/>
-                </a:solidFill>
-                <a:miter lim="800000"/>
-                <a:headEnd/>
-                <a:tailEnd/>
-              </a14:hiddenLine>
-            </a:ext>
-            <a:ext uri="{AF507438-7753-43E0-B8FC-AC1667EBCBE1}">
-              <a14:hiddenEffects xmlns:a14="http://schemas.microsoft.com/office/drawing/2010/main">
-                <a:effectLst>
-                  <a:outerShdw dist="35921" dir="2700000" algn="ctr" rotWithShape="0">
-                    <a:srgbClr val="808080"/>
-                  </a:outerShdw>
-                </a:effectLst>
-              </a14:hiddenEffects>
-            </a:ext>
-          </a:extLst>
-        </p:spPr>
-      </p:pic>
     </p:spTree>
   </p:cSld>
   <p:clrMapOvr>
     <a:masterClrMapping/>
   </p:clrMapOvr>
-  <p:timing>
-    <p:tnLst>
-      <p:par>
-        <p:cTn id="1" dur="indefinite" restart="never" nodeType="tmRoot">
-          <p:childTnLst>
-            <p:seq concurrent="1" nextAc="seek">
-              <p:cTn id="2" dur="indefinite" nodeType="mainSeq">
-                <p:childTnLst>
-                  <p:par>
-                    <p:cTn id="3" fill="hold" nodeType="clickPar">
-                      <p:stCondLst>
-                        <p:cond delay="indefinite"/>
-                      </p:stCondLst>
-                      <p:childTnLst>
-                        <p:par>
-                          <p:cTn id="4" fill="hold" nodeType="withGroup">
-                            <p:stCondLst>
-                              <p:cond delay="0"/>
-                            </p:stCondLst>
-                            <p:childTnLst>
-                              <p:par>
-                                <p:cTn id="5" presetID="10" presetClass="entr" presetSubtype="0" fill="hold" nodeType="clickEffect">
-                                  <p:stCondLst>
-                                    <p:cond delay="0"/>
-                                  </p:stCondLst>
-                                  <p:childTnLst>
-                                    <p:set>
-                                      <p:cBhvr>
-                                        <p:cTn id="6" dur="1" fill="hold">
-                                          <p:stCondLst>
-                                            <p:cond delay="0"/>
-                                          </p:stCondLst>
-                                        </p:cTn>
-                                        <p:tgtEl>
-                                          <p:spTgt spid="1038339"/>
-                                        </p:tgtEl>
-                                        <p:attrNameLst>
-                                          <p:attrName>style.visibility</p:attrName>
-                                        </p:attrNameLst>
-                                      </p:cBhvr>
-                                      <p:to>
-                                        <p:strVal val="visible"/>
-                                      </p:to>
-                                    </p:set>
-                                    <p:animEffect transition="in" filter="fade">
-                                      <p:cBhvr>
-                                        <p:cTn id="7" dur="500"/>
-                                        <p:tgtEl>
-                                          <p:spTgt spid="1038339"/>
-                                        </p:tgtEl>
-                                      </p:cBhvr>
-                                    </p:animEffect>
-                                  </p:childTnLst>
-                                </p:cTn>
-                              </p:par>
-                            </p:childTnLst>
-                          </p:cTn>
-                        </p:par>
-                      </p:childTnLst>
-                    </p:cTn>
-                  </p:par>
-                </p:childTnLst>
-              </p:cTn>
-              <p:prevCondLst>
-                <p:cond evt="onPrev" delay="0">
-                  <p:tgtEl>
-                    <p:sldTgt/>
-                  </p:tgtEl>
-                </p:cond>
-              </p:prevCondLst>
-              <p:nextCondLst>
-                <p:cond evt="onNext" delay="0">
-                  <p:tgtEl>
-                    <p:sldTgt/>
-                  </p:tgtEl>
-                </p:cond>
-              </p:nextCondLst>
-            </p:seq>
-          </p:childTnLst>
-        </p:cTn>
-      </p:par>
-    </p:tnLst>
-  </p:timing>
 </p:sld>
 </file>
 
